--- a/PPT.pptx
+++ b/PPT.pptx
@@ -122,7 +122,16 @@
       </a:defRPr>
     </a:lvl9pPr>
   </p:defaultTextStyle>
+  <p:extLst>
+    <p:ext uri="{EFAFB233-063F-42B5-8137-9DF3F51BA10A}">
+      <p15:sldGuideLst xmlns:p15="http://schemas.microsoft.com/office/powerpoint/2012/main"/>
+    </p:ext>
+  </p:extLst>
 </p:presentation>
+</file>
+
+<file path=ppt/revisionInfo.xml><?xml version="1.0" encoding="utf-8"?>
+<p1510:revInfo xmlns:a="http://schemas.openxmlformats.org/drawingml/2006/main" xmlns:r="http://schemas.openxmlformats.org/officeDocument/2006/relationships" xmlns:p1510="http://schemas.microsoft.com/office/powerpoint/2015/10/main"/>
 </file>
 
 <file path=ppt/handoutMasters/handoutMaster1.xml><?xml version="1.0" encoding="utf-8"?>
@@ -207,7 +216,7 @@
           <a:p>
             <a:fld id="{38F6EA31-0BAC-1D46-AC41-FC5422D57B00}" type="datetimeFigureOut">
               <a:rPr lang="en-US" smtClean="0"/>
-              <a:t>12/3/17</a:t>
+              <a:t>12/10/2017</a:t>
             </a:fld>
             <a:endParaRPr lang="en-US"/>
           </a:p>
@@ -372,7 +381,7 @@
           <a:p>
             <a:fld id="{A305C893-FF75-A54F-A7CF-EDDE523D513C}" type="datetimeFigureOut">
               <a:rPr lang="en-US" smtClean="0"/>
-              <a:t>12/3/17</a:t>
+              <a:t>12/10/2017</a:t>
             </a:fld>
             <a:endParaRPr lang="en-US"/>
           </a:p>
@@ -436,38 +445,37 @@
           <a:p>
             <a:pPr lvl="0"/>
             <a:r>
-              <a:rPr lang="en-US" smtClean="0"/>
+              <a:rPr lang="en-US"/>
               <a:t>Click to edit Master text styles</a:t>
             </a:r>
           </a:p>
           <a:p>
             <a:pPr lvl="1"/>
             <a:r>
-              <a:rPr lang="en-US" smtClean="0"/>
+              <a:rPr lang="en-US"/>
               <a:t>Second level</a:t>
             </a:r>
           </a:p>
           <a:p>
             <a:pPr lvl="2"/>
             <a:r>
-              <a:rPr lang="en-US" smtClean="0"/>
+              <a:rPr lang="en-US"/>
               <a:t>Third level</a:t>
             </a:r>
           </a:p>
           <a:p>
             <a:pPr lvl="3"/>
             <a:r>
-              <a:rPr lang="en-US" smtClean="0"/>
+              <a:rPr lang="en-US"/>
               <a:t>Fourth level</a:t>
             </a:r>
           </a:p>
           <a:p>
             <a:pPr lvl="4"/>
             <a:r>
-              <a:rPr lang="en-US" smtClean="0"/>
+              <a:rPr lang="en-US"/>
               <a:t>Fifth level</a:t>
             </a:r>
-            <a:endParaRPr lang="en-US"/>
           </a:p>
         </p:txBody>
       </p:sp>
@@ -682,10 +690,9 @@
           </a:lstStyle>
           <a:p>
             <a:r>
-              <a:rPr lang="en-US" smtClean="0"/>
+              <a:rPr lang="en-US"/>
               <a:t>Click to edit Master title style</a:t>
             </a:r>
-            <a:endParaRPr lang="en-US"/>
           </a:p>
         </p:txBody>
       </p:sp>
@@ -747,10 +754,9 @@
           </a:lstStyle>
           <a:p>
             <a:r>
-              <a:rPr lang="en-US" smtClean="0"/>
+              <a:rPr lang="en-US"/>
               <a:t>Click to edit Master subtitle style</a:t>
             </a:r>
-            <a:endParaRPr lang="en-US"/>
           </a:p>
         </p:txBody>
       </p:sp>
@@ -771,7 +777,7 @@
           <a:p>
             <a:fld id="{B0D43F7F-445C-CF4D-B5E5-7C9DE05A0C6F}" type="datetimeFigureOut">
               <a:rPr lang="en-US" smtClean="0"/>
-              <a:t>12/3/17</a:t>
+              <a:t>12/10/2017</a:t>
             </a:fld>
             <a:endParaRPr lang="en-US"/>
           </a:p>
@@ -865,10 +871,9 @@
           <a:lstStyle/>
           <a:p>
             <a:r>
-              <a:rPr lang="en-US" smtClean="0"/>
+              <a:rPr lang="en-US"/>
               <a:t>Click to edit Master title style</a:t>
             </a:r>
-            <a:endParaRPr lang="en-US"/>
           </a:p>
         </p:txBody>
       </p:sp>
@@ -889,38 +894,37 @@
           <a:p>
             <a:pPr lvl="0"/>
             <a:r>
-              <a:rPr lang="en-US" smtClean="0"/>
+              <a:rPr lang="en-US"/>
               <a:t>Click to edit Master text styles</a:t>
             </a:r>
           </a:p>
           <a:p>
             <a:pPr lvl="1"/>
             <a:r>
-              <a:rPr lang="en-US" smtClean="0"/>
+              <a:rPr lang="en-US"/>
               <a:t>Second level</a:t>
             </a:r>
           </a:p>
           <a:p>
             <a:pPr lvl="2"/>
             <a:r>
-              <a:rPr lang="en-US" smtClean="0"/>
+              <a:rPr lang="en-US"/>
               <a:t>Third level</a:t>
             </a:r>
           </a:p>
           <a:p>
             <a:pPr lvl="3"/>
             <a:r>
-              <a:rPr lang="en-US" smtClean="0"/>
+              <a:rPr lang="en-US"/>
               <a:t>Fourth level</a:t>
             </a:r>
           </a:p>
           <a:p>
             <a:pPr lvl="4"/>
             <a:r>
-              <a:rPr lang="en-US" smtClean="0"/>
+              <a:rPr lang="en-US"/>
               <a:t>Fifth level</a:t>
             </a:r>
-            <a:endParaRPr lang="en-US"/>
           </a:p>
         </p:txBody>
       </p:sp>
@@ -941,7 +945,7 @@
           <a:p>
             <a:fld id="{B0D43F7F-445C-CF4D-B5E5-7C9DE05A0C6F}" type="datetimeFigureOut">
               <a:rPr lang="en-US" smtClean="0"/>
-              <a:t>12/3/17</a:t>
+              <a:t>12/10/2017</a:t>
             </a:fld>
             <a:endParaRPr lang="en-US"/>
           </a:p>
@@ -1040,10 +1044,9 @@
           <a:lstStyle/>
           <a:p>
             <a:r>
-              <a:rPr lang="en-US" smtClean="0"/>
+              <a:rPr lang="en-US"/>
               <a:t>Click to edit Master title style</a:t>
             </a:r>
-            <a:endParaRPr lang="en-US"/>
           </a:p>
         </p:txBody>
       </p:sp>
@@ -1069,38 +1072,37 @@
           <a:p>
             <a:pPr lvl="0"/>
             <a:r>
-              <a:rPr lang="en-US" smtClean="0"/>
+              <a:rPr lang="en-US"/>
               <a:t>Click to edit Master text styles</a:t>
             </a:r>
           </a:p>
           <a:p>
             <a:pPr lvl="1"/>
             <a:r>
-              <a:rPr lang="en-US" smtClean="0"/>
+              <a:rPr lang="en-US"/>
               <a:t>Second level</a:t>
             </a:r>
           </a:p>
           <a:p>
             <a:pPr lvl="2"/>
             <a:r>
-              <a:rPr lang="en-US" smtClean="0"/>
+              <a:rPr lang="en-US"/>
               <a:t>Third level</a:t>
             </a:r>
           </a:p>
           <a:p>
             <a:pPr lvl="3"/>
             <a:r>
-              <a:rPr lang="en-US" smtClean="0"/>
+              <a:rPr lang="en-US"/>
               <a:t>Fourth level</a:t>
             </a:r>
           </a:p>
           <a:p>
             <a:pPr lvl="4"/>
             <a:r>
-              <a:rPr lang="en-US" smtClean="0"/>
+              <a:rPr lang="en-US"/>
               <a:t>Fifth level</a:t>
             </a:r>
-            <a:endParaRPr lang="en-US"/>
           </a:p>
         </p:txBody>
       </p:sp>
@@ -1121,7 +1123,7 @@
           <a:p>
             <a:fld id="{B0D43F7F-445C-CF4D-B5E5-7C9DE05A0C6F}" type="datetimeFigureOut">
               <a:rPr lang="en-US" smtClean="0"/>
-              <a:t>12/3/17</a:t>
+              <a:t>12/10/2017</a:t>
             </a:fld>
             <a:endParaRPr lang="en-US"/>
           </a:p>
@@ -1215,10 +1217,9 @@
           <a:lstStyle/>
           <a:p>
             <a:r>
-              <a:rPr lang="en-US" smtClean="0"/>
+              <a:rPr lang="en-US"/>
               <a:t>Click to edit Master title style</a:t>
             </a:r>
-            <a:endParaRPr lang="en-US"/>
           </a:p>
         </p:txBody>
       </p:sp>
@@ -1239,38 +1240,37 @@
           <a:p>
             <a:pPr lvl="0"/>
             <a:r>
-              <a:rPr lang="en-US" smtClean="0"/>
+              <a:rPr lang="en-US"/>
               <a:t>Click to edit Master text styles</a:t>
             </a:r>
           </a:p>
           <a:p>
             <a:pPr lvl="1"/>
             <a:r>
-              <a:rPr lang="en-US" smtClean="0"/>
+              <a:rPr lang="en-US"/>
               <a:t>Second level</a:t>
             </a:r>
           </a:p>
           <a:p>
             <a:pPr lvl="2"/>
             <a:r>
-              <a:rPr lang="en-US" smtClean="0"/>
+              <a:rPr lang="en-US"/>
               <a:t>Third level</a:t>
             </a:r>
           </a:p>
           <a:p>
             <a:pPr lvl="3"/>
             <a:r>
-              <a:rPr lang="en-US" smtClean="0"/>
+              <a:rPr lang="en-US"/>
               <a:t>Fourth level</a:t>
             </a:r>
           </a:p>
           <a:p>
             <a:pPr lvl="4"/>
             <a:r>
-              <a:rPr lang="en-US" smtClean="0"/>
+              <a:rPr lang="en-US"/>
               <a:t>Fifth level</a:t>
             </a:r>
-            <a:endParaRPr lang="en-US"/>
           </a:p>
         </p:txBody>
       </p:sp>
@@ -1291,7 +1291,7 @@
           <a:p>
             <a:fld id="{B0D43F7F-445C-CF4D-B5E5-7C9DE05A0C6F}" type="datetimeFigureOut">
               <a:rPr lang="en-US" smtClean="0"/>
-              <a:t>12/3/17</a:t>
+              <a:t>12/10/2017</a:t>
             </a:fld>
             <a:endParaRPr lang="en-US"/>
           </a:p>
@@ -1394,10 +1394,9 @@
           </a:lstStyle>
           <a:p>
             <a:r>
-              <a:rPr lang="en-US" smtClean="0"/>
+              <a:rPr lang="en-US"/>
               <a:t>Click to edit Master title style</a:t>
             </a:r>
-            <a:endParaRPr lang="en-US"/>
           </a:p>
         </p:txBody>
       </p:sp>
@@ -1514,7 +1513,7 @@
           <a:p>
             <a:pPr lvl="0"/>
             <a:r>
-              <a:rPr lang="en-US" smtClean="0"/>
+              <a:rPr lang="en-US"/>
               <a:t>Click to edit Master text styles</a:t>
             </a:r>
           </a:p>
@@ -1537,7 +1536,7 @@
           <a:p>
             <a:fld id="{B0D43F7F-445C-CF4D-B5E5-7C9DE05A0C6F}" type="datetimeFigureOut">
               <a:rPr lang="en-US" smtClean="0"/>
-              <a:t>12/3/17</a:t>
+              <a:t>12/10/2017</a:t>
             </a:fld>
             <a:endParaRPr lang="en-US"/>
           </a:p>
@@ -1631,10 +1630,9 @@
           <a:lstStyle/>
           <a:p>
             <a:r>
-              <a:rPr lang="en-US" smtClean="0"/>
+              <a:rPr lang="en-US"/>
               <a:t>Click to edit Master title style</a:t>
             </a:r>
-            <a:endParaRPr lang="en-US"/>
           </a:p>
         </p:txBody>
       </p:sp>
@@ -1660,38 +1658,37 @@
           <a:p>
             <a:pPr lvl="0"/>
             <a:r>
-              <a:rPr lang="en-US" smtClean="0"/>
+              <a:rPr lang="en-US"/>
               <a:t>Click to edit Master text styles</a:t>
             </a:r>
           </a:p>
           <a:p>
             <a:pPr lvl="1"/>
             <a:r>
-              <a:rPr lang="en-US" smtClean="0"/>
+              <a:rPr lang="en-US"/>
               <a:t>Second level</a:t>
             </a:r>
           </a:p>
           <a:p>
             <a:pPr lvl="2"/>
             <a:r>
-              <a:rPr lang="en-US" smtClean="0"/>
+              <a:rPr lang="en-US"/>
               <a:t>Third level</a:t>
             </a:r>
           </a:p>
           <a:p>
             <a:pPr lvl="3"/>
             <a:r>
-              <a:rPr lang="en-US" smtClean="0"/>
+              <a:rPr lang="en-US"/>
               <a:t>Fourth level</a:t>
             </a:r>
           </a:p>
           <a:p>
             <a:pPr lvl="4"/>
             <a:r>
-              <a:rPr lang="en-US" smtClean="0"/>
+              <a:rPr lang="en-US"/>
               <a:t>Fifth level</a:t>
             </a:r>
-            <a:endParaRPr lang="en-US"/>
           </a:p>
         </p:txBody>
       </p:sp>
@@ -1717,38 +1714,37 @@
           <a:p>
             <a:pPr lvl="0"/>
             <a:r>
-              <a:rPr lang="en-US" smtClean="0"/>
+              <a:rPr lang="en-US"/>
               <a:t>Click to edit Master text styles</a:t>
             </a:r>
           </a:p>
           <a:p>
             <a:pPr lvl="1"/>
             <a:r>
-              <a:rPr lang="en-US" smtClean="0"/>
+              <a:rPr lang="en-US"/>
               <a:t>Second level</a:t>
             </a:r>
           </a:p>
           <a:p>
             <a:pPr lvl="2"/>
             <a:r>
-              <a:rPr lang="en-US" smtClean="0"/>
+              <a:rPr lang="en-US"/>
               <a:t>Third level</a:t>
             </a:r>
           </a:p>
           <a:p>
             <a:pPr lvl="3"/>
             <a:r>
-              <a:rPr lang="en-US" smtClean="0"/>
+              <a:rPr lang="en-US"/>
               <a:t>Fourth level</a:t>
             </a:r>
           </a:p>
           <a:p>
             <a:pPr lvl="4"/>
             <a:r>
-              <a:rPr lang="en-US" smtClean="0"/>
+              <a:rPr lang="en-US"/>
               <a:t>Fifth level</a:t>
             </a:r>
-            <a:endParaRPr lang="en-US"/>
           </a:p>
         </p:txBody>
       </p:sp>
@@ -1769,7 +1765,7 @@
           <a:p>
             <a:fld id="{B0D43F7F-445C-CF4D-B5E5-7C9DE05A0C6F}" type="datetimeFigureOut">
               <a:rPr lang="en-US" smtClean="0"/>
-              <a:t>12/3/17</a:t>
+              <a:t>12/10/2017</a:t>
             </a:fld>
             <a:endParaRPr lang="en-US"/>
           </a:p>
@@ -1868,10 +1864,9 @@
           <a:lstStyle/>
           <a:p>
             <a:r>
-              <a:rPr lang="en-US" smtClean="0"/>
+              <a:rPr lang="en-US"/>
               <a:t>Click to edit Master title style</a:t>
             </a:r>
-            <a:endParaRPr lang="en-US"/>
           </a:p>
         </p:txBody>
       </p:sp>
@@ -1934,7 +1929,7 @@
           <a:p>
             <a:pPr lvl="0"/>
             <a:r>
-              <a:rPr lang="en-US" smtClean="0"/>
+              <a:rPr lang="en-US"/>
               <a:t>Click to edit Master text styles</a:t>
             </a:r>
           </a:p>
@@ -1962,38 +1957,37 @@
           <a:p>
             <a:pPr lvl="0"/>
             <a:r>
-              <a:rPr lang="en-US" smtClean="0"/>
+              <a:rPr lang="en-US"/>
               <a:t>Click to edit Master text styles</a:t>
             </a:r>
           </a:p>
           <a:p>
             <a:pPr lvl="1"/>
             <a:r>
-              <a:rPr lang="en-US" smtClean="0"/>
+              <a:rPr lang="en-US"/>
               <a:t>Second level</a:t>
             </a:r>
           </a:p>
           <a:p>
             <a:pPr lvl="2"/>
             <a:r>
-              <a:rPr lang="en-US" smtClean="0"/>
+              <a:rPr lang="en-US"/>
               <a:t>Third level</a:t>
             </a:r>
           </a:p>
           <a:p>
             <a:pPr lvl="3"/>
             <a:r>
-              <a:rPr lang="en-US" smtClean="0"/>
+              <a:rPr lang="en-US"/>
               <a:t>Fourth level</a:t>
             </a:r>
           </a:p>
           <a:p>
             <a:pPr lvl="4"/>
             <a:r>
-              <a:rPr lang="en-US" smtClean="0"/>
+              <a:rPr lang="en-US"/>
               <a:t>Fifth level</a:t>
             </a:r>
-            <a:endParaRPr lang="en-US"/>
           </a:p>
         </p:txBody>
       </p:sp>
@@ -2056,7 +2050,7 @@
           <a:p>
             <a:pPr lvl="0"/>
             <a:r>
-              <a:rPr lang="en-US" smtClean="0"/>
+              <a:rPr lang="en-US"/>
               <a:t>Click to edit Master text styles</a:t>
             </a:r>
           </a:p>
@@ -2084,38 +2078,37 @@
           <a:p>
             <a:pPr lvl="0"/>
             <a:r>
-              <a:rPr lang="en-US" smtClean="0"/>
+              <a:rPr lang="en-US"/>
               <a:t>Click to edit Master text styles</a:t>
             </a:r>
           </a:p>
           <a:p>
             <a:pPr lvl="1"/>
             <a:r>
-              <a:rPr lang="en-US" smtClean="0"/>
+              <a:rPr lang="en-US"/>
               <a:t>Second level</a:t>
             </a:r>
           </a:p>
           <a:p>
             <a:pPr lvl="2"/>
             <a:r>
-              <a:rPr lang="en-US" smtClean="0"/>
+              <a:rPr lang="en-US"/>
               <a:t>Third level</a:t>
             </a:r>
           </a:p>
           <a:p>
             <a:pPr lvl="3"/>
             <a:r>
-              <a:rPr lang="en-US" smtClean="0"/>
+              <a:rPr lang="en-US"/>
               <a:t>Fourth level</a:t>
             </a:r>
           </a:p>
           <a:p>
             <a:pPr lvl="4"/>
             <a:r>
-              <a:rPr lang="en-US" smtClean="0"/>
+              <a:rPr lang="en-US"/>
               <a:t>Fifth level</a:t>
             </a:r>
-            <a:endParaRPr lang="en-US"/>
           </a:p>
         </p:txBody>
       </p:sp>
@@ -2136,7 +2129,7 @@
           <a:p>
             <a:fld id="{B0D43F7F-445C-CF4D-B5E5-7C9DE05A0C6F}" type="datetimeFigureOut">
               <a:rPr lang="en-US" smtClean="0"/>
-              <a:t>12/3/17</a:t>
+              <a:t>12/10/2017</a:t>
             </a:fld>
             <a:endParaRPr lang="en-US"/>
           </a:p>
@@ -2230,10 +2223,9 @@
           <a:lstStyle/>
           <a:p>
             <a:r>
-              <a:rPr lang="en-US" smtClean="0"/>
+              <a:rPr lang="en-US"/>
               <a:t>Click to edit Master title style</a:t>
             </a:r>
-            <a:endParaRPr lang="en-US"/>
           </a:p>
         </p:txBody>
       </p:sp>
@@ -2254,7 +2246,7 @@
           <a:p>
             <a:fld id="{B0D43F7F-445C-CF4D-B5E5-7C9DE05A0C6F}" type="datetimeFigureOut">
               <a:rPr lang="en-US" smtClean="0"/>
-              <a:t>12/3/17</a:t>
+              <a:t>12/10/2017</a:t>
             </a:fld>
             <a:endParaRPr lang="en-US"/>
           </a:p>
@@ -2349,7 +2341,7 @@
           <a:p>
             <a:fld id="{B0D43F7F-445C-CF4D-B5E5-7C9DE05A0C6F}" type="datetimeFigureOut">
               <a:rPr lang="en-US" smtClean="0"/>
-              <a:t>12/3/17</a:t>
+              <a:t>12/10/2017</a:t>
             </a:fld>
             <a:endParaRPr lang="en-US"/>
           </a:p>
@@ -2452,10 +2444,9 @@
           </a:lstStyle>
           <a:p>
             <a:r>
-              <a:rPr lang="en-US" smtClean="0"/>
+              <a:rPr lang="en-US"/>
               <a:t>Click to edit Master title style</a:t>
             </a:r>
-            <a:endParaRPr lang="en-US"/>
           </a:p>
         </p:txBody>
       </p:sp>
@@ -2509,38 +2500,37 @@
           <a:p>
             <a:pPr lvl="0"/>
             <a:r>
-              <a:rPr lang="en-US" smtClean="0"/>
+              <a:rPr lang="en-US"/>
               <a:t>Click to edit Master text styles</a:t>
             </a:r>
           </a:p>
           <a:p>
             <a:pPr lvl="1"/>
             <a:r>
-              <a:rPr lang="en-US" smtClean="0"/>
+              <a:rPr lang="en-US"/>
               <a:t>Second level</a:t>
             </a:r>
           </a:p>
           <a:p>
             <a:pPr lvl="2"/>
             <a:r>
-              <a:rPr lang="en-US" smtClean="0"/>
+              <a:rPr lang="en-US"/>
               <a:t>Third level</a:t>
             </a:r>
           </a:p>
           <a:p>
             <a:pPr lvl="3"/>
             <a:r>
-              <a:rPr lang="en-US" smtClean="0"/>
+              <a:rPr lang="en-US"/>
               <a:t>Fourth level</a:t>
             </a:r>
           </a:p>
           <a:p>
             <a:pPr lvl="4"/>
             <a:r>
-              <a:rPr lang="en-US" smtClean="0"/>
+              <a:rPr lang="en-US"/>
               <a:t>Fifth level</a:t>
             </a:r>
-            <a:endParaRPr lang="en-US"/>
           </a:p>
         </p:txBody>
       </p:sp>
@@ -2603,7 +2593,7 @@
           <a:p>
             <a:pPr lvl="0"/>
             <a:r>
-              <a:rPr lang="en-US" smtClean="0"/>
+              <a:rPr lang="en-US"/>
               <a:t>Click to edit Master text styles</a:t>
             </a:r>
           </a:p>
@@ -2626,7 +2616,7 @@
           <a:p>
             <a:fld id="{B0D43F7F-445C-CF4D-B5E5-7C9DE05A0C6F}" type="datetimeFigureOut">
               <a:rPr lang="en-US" smtClean="0"/>
-              <a:t>12/3/17</a:t>
+              <a:t>12/10/2017</a:t>
             </a:fld>
             <a:endParaRPr lang="en-US"/>
           </a:p>
@@ -2729,10 +2719,9 @@
           </a:lstStyle>
           <a:p>
             <a:r>
-              <a:rPr lang="en-US" smtClean="0"/>
+              <a:rPr lang="en-US"/>
               <a:t>Click to edit Master title style</a:t>
             </a:r>
-            <a:endParaRPr lang="en-US"/>
           </a:p>
         </p:txBody>
       </p:sp>
@@ -2856,7 +2845,7 @@
           <a:p>
             <a:pPr lvl="0"/>
             <a:r>
-              <a:rPr lang="en-US" smtClean="0"/>
+              <a:rPr lang="en-US"/>
               <a:t>Click to edit Master text styles</a:t>
             </a:r>
           </a:p>
@@ -2879,7 +2868,7 @@
           <a:p>
             <a:fld id="{B0D43F7F-445C-CF4D-B5E5-7C9DE05A0C6F}" type="datetimeFigureOut">
               <a:rPr lang="en-US" smtClean="0"/>
-              <a:t>12/3/17</a:t>
+              <a:t>12/10/2017</a:t>
             </a:fld>
             <a:endParaRPr lang="en-US"/>
           </a:p>
@@ -2988,10 +2977,9 @@
           <a:lstStyle/>
           <a:p>
             <a:r>
-              <a:rPr lang="en-US" smtClean="0"/>
+              <a:rPr lang="en-US"/>
               <a:t>Click to edit Master title style</a:t>
             </a:r>
-            <a:endParaRPr lang="en-US"/>
           </a:p>
         </p:txBody>
       </p:sp>
@@ -3022,38 +3010,37 @@
           <a:p>
             <a:pPr lvl="0"/>
             <a:r>
-              <a:rPr lang="en-US" smtClean="0"/>
+              <a:rPr lang="en-US"/>
               <a:t>Click to edit Master text styles</a:t>
             </a:r>
           </a:p>
           <a:p>
             <a:pPr lvl="1"/>
             <a:r>
-              <a:rPr lang="en-US" smtClean="0"/>
+              <a:rPr lang="en-US"/>
               <a:t>Second level</a:t>
             </a:r>
           </a:p>
           <a:p>
             <a:pPr lvl="2"/>
             <a:r>
-              <a:rPr lang="en-US" smtClean="0"/>
+              <a:rPr lang="en-US"/>
               <a:t>Third level</a:t>
             </a:r>
           </a:p>
           <a:p>
             <a:pPr lvl="3"/>
             <a:r>
-              <a:rPr lang="en-US" smtClean="0"/>
+              <a:rPr lang="en-US"/>
               <a:t>Fourth level</a:t>
             </a:r>
           </a:p>
           <a:p>
             <a:pPr lvl="4"/>
             <a:r>
-              <a:rPr lang="en-US" smtClean="0"/>
+              <a:rPr lang="en-US"/>
               <a:t>Fifth level</a:t>
             </a:r>
-            <a:endParaRPr lang="en-US"/>
           </a:p>
         </p:txBody>
       </p:sp>
@@ -3092,7 +3079,7 @@
           <a:p>
             <a:fld id="{B0D43F7F-445C-CF4D-B5E5-7C9DE05A0C6F}" type="datetimeFigureOut">
               <a:rPr lang="en-US" smtClean="0"/>
-              <a:t>12/3/17</a:t>
+              <a:t>12/10/2017</a:t>
             </a:fld>
             <a:endParaRPr lang="en-US"/>
           </a:p>
@@ -3514,10 +3501,9 @@
           <a:p>
             <a:pPr algn="ctr"/>
             <a:r>
-              <a:rPr lang="en-US" dirty="0" smtClean="0"/>
+              <a:rPr lang="en-US" dirty="0"/>
               <a:t>OPTIMAL COURSE SCHEDULER </a:t>
             </a:r>
-            <a:endParaRPr lang="en-US" dirty="0"/>
           </a:p>
         </p:txBody>
       </p:sp>
@@ -3540,10 +3526,9 @@
               <a:buNone/>
             </a:pPr>
             <a:r>
-              <a:rPr lang="en-US" dirty="0" smtClean="0"/>
+              <a:rPr lang="en-US" dirty="0"/>
               <a:t>DANCK Solutions offers professional scheduling logistics services. We find your perfect schedule based on criteria that is important to you. Our team understands that some people are early birds while others have trouble waking up before noon. Ever been forced to miss your BIT 3444 class all semester because you didn’t get the section you wanted? DANCK will solve your scheduling needs.</a:t>
             </a:r>
-            <a:endParaRPr lang="en-US" dirty="0"/>
           </a:p>
         </p:txBody>
       </p:sp>
@@ -3590,7 +3575,7 @@
           <p:cNvPr id="7" name="Rectangle 6">
             <a:extLst>
               <a:ext uri="{FF2B5EF4-FFF2-40B4-BE49-F238E27FC236}">
-                <a16:creationId xmlns:a16="http://schemas.microsoft.com/office/drawing/2014/main" xmlns="" id="{01D0AF59-99C3-4251-AB9A-C966C6AD4400}"/>
+                <a16:creationId xmlns:a16="http://schemas.microsoft.com/office/drawing/2014/main" id="{01D0AF59-99C3-4251-AB9A-C966C6AD4400}"/>
               </a:ext>
             </a:extLst>
           </p:cNvPr>
@@ -3650,7 +3635,7 @@
           <p:cNvPr id="9" name="Rectangle 8">
             <a:extLst>
               <a:ext uri="{FF2B5EF4-FFF2-40B4-BE49-F238E27FC236}">
-                <a16:creationId xmlns:a16="http://schemas.microsoft.com/office/drawing/2014/main" xmlns="" id="{1855405F-37A2-4869-9154-F8BE3BECE6C3}"/>
+                <a16:creationId xmlns:a16="http://schemas.microsoft.com/office/drawing/2014/main" id="{1855405F-37A2-4869-9154-F8BE3BECE6C3}"/>
               </a:ext>
             </a:extLst>
           </p:cNvPr>
@@ -3853,7 +3838,7 @@
           <p:cNvPr id="9" name="Rectangle 8">
             <a:extLst>
               <a:ext uri="{FF2B5EF4-FFF2-40B4-BE49-F238E27FC236}">
-                <a16:creationId xmlns:a16="http://schemas.microsoft.com/office/drawing/2014/main" xmlns="" id="{01D0AF59-99C3-4251-AB9A-C966C6AD4400}"/>
+                <a16:creationId xmlns:a16="http://schemas.microsoft.com/office/drawing/2014/main" id="{01D0AF59-99C3-4251-AB9A-C966C6AD4400}"/>
               </a:ext>
             </a:extLst>
           </p:cNvPr>
@@ -3913,7 +3898,7 @@
           <p:cNvPr id="11" name="Rectangle 10">
             <a:extLst>
               <a:ext uri="{FF2B5EF4-FFF2-40B4-BE49-F238E27FC236}">
-                <a16:creationId xmlns:a16="http://schemas.microsoft.com/office/drawing/2014/main" xmlns="" id="{1855405F-37A2-4869-9154-F8BE3BECE6C3}"/>
+                <a16:creationId xmlns:a16="http://schemas.microsoft.com/office/drawing/2014/main" id="{1855405F-37A2-4869-9154-F8BE3BECE6C3}"/>
               </a:ext>
             </a:extLst>
           </p:cNvPr>
@@ -4021,6 +4006,14 @@
 <file path=ppt/slides/slide13.xml><?xml version="1.0" encoding="utf-8"?>
 <p:sld xmlns:a="http://schemas.openxmlformats.org/drawingml/2006/main" xmlns:r="http://schemas.openxmlformats.org/officeDocument/2006/relationships" xmlns:p="http://schemas.openxmlformats.org/presentationml/2006/main">
   <p:cSld>
+    <p:bg>
+      <p:bgPr>
+        <a:solidFill>
+          <a:schemeClr val="bg1"/>
+        </a:solidFill>
+        <a:effectLst/>
+      </p:bgPr>
+    </p:bg>
     <p:spTree>
       <p:nvGrpSpPr>
         <p:cNvPr id="1" name=""/>
@@ -4035,6 +4028,163 @@
           <a:chExt cx="0" cy="0"/>
         </a:xfrm>
       </p:grpSpPr>
+      <p:sp>
+        <p:nvSpPr>
+          <p:cNvPr id="8" name="Rectangle 7">
+            <a:extLst>
+              <a:ext uri="{FF2B5EF4-FFF2-40B4-BE49-F238E27FC236}">
+                <a16:creationId xmlns:a16="http://schemas.microsoft.com/office/drawing/2014/main" id="{01D0AF59-99C3-4251-AB9A-C966C6AD4400}"/>
+              </a:ext>
+            </a:extLst>
+          </p:cNvPr>
+          <p:cNvSpPr>
+            <a:spLocks noGrp="1" noRot="1" noChangeAspect="1" noMove="1" noResize="1" noEditPoints="1" noAdjustHandles="1" noChangeArrowheads="1" noChangeShapeType="1" noTextEdit="1"/>
+          </p:cNvSpPr>
+          <p:nvPr>
+            <p:extLst>
+              <p:ext uri="{386F3935-93C4-4BCD-93E2-E3B085C9AB24}">
+                <p16:designElem xmlns:p16="http://schemas.microsoft.com/office/powerpoint/2015/main" val="1"/>
+              </p:ext>
+            </p:extLst>
+          </p:nvPr>
+        </p:nvSpPr>
+        <p:spPr>
+          <a:xfrm>
+            <a:off x="0" y="0"/>
+            <a:ext cx="12192000" cy="6858000"/>
+          </a:xfrm>
+          <a:prstGeom prst="rect">
+            <a:avLst/>
+          </a:prstGeom>
+          <a:solidFill>
+            <a:schemeClr val="bg2"/>
+          </a:solidFill>
+          <a:ln>
+            <a:noFill/>
+          </a:ln>
+        </p:spPr>
+        <p:style>
+          <a:lnRef idx="2">
+            <a:schemeClr val="accent1">
+              <a:shade val="50000"/>
+            </a:schemeClr>
+          </a:lnRef>
+          <a:fillRef idx="1">
+            <a:schemeClr val="accent1"/>
+          </a:fillRef>
+          <a:effectRef idx="0">
+            <a:schemeClr val="accent1"/>
+          </a:effectRef>
+          <a:fontRef idx="minor">
+            <a:schemeClr val="lt1"/>
+          </a:fontRef>
+        </p:style>
+        <p:txBody>
+          <a:bodyPr rtlCol="0" anchor="ctr"/>
+          <a:lstStyle/>
+          <a:p>
+            <a:pPr algn="ctr"/>
+            <a:endParaRPr lang="en-US"/>
+          </a:p>
+        </p:txBody>
+      </p:sp>
+      <p:sp>
+        <p:nvSpPr>
+          <p:cNvPr id="10" name="Rectangle 9">
+            <a:extLst>
+              <a:ext uri="{FF2B5EF4-FFF2-40B4-BE49-F238E27FC236}">
+                <a16:creationId xmlns:a16="http://schemas.microsoft.com/office/drawing/2014/main" id="{1855405F-37A2-4869-9154-F8BE3BECE6C3}"/>
+              </a:ext>
+            </a:extLst>
+          </p:cNvPr>
+          <p:cNvSpPr>
+            <a:spLocks noGrp="1" noRot="1" noChangeAspect="1" noMove="1" noResize="1" noEditPoints="1" noAdjustHandles="1" noChangeArrowheads="1" noChangeShapeType="1" noTextEdit="1"/>
+          </p:cNvSpPr>
+          <p:nvPr>
+            <p:extLst>
+              <p:ext uri="{386F3935-93C4-4BCD-93E2-E3B085C9AB24}">
+                <p16:designElem xmlns:p16="http://schemas.microsoft.com/office/powerpoint/2015/main" val="1"/>
+              </p:ext>
+            </p:extLst>
+          </p:nvPr>
+        </p:nvSpPr>
+        <p:spPr>
+          <a:xfrm>
+            <a:off x="477012" y="480060"/>
+            <a:ext cx="11237976" cy="5897880"/>
+          </a:xfrm>
+          <a:prstGeom prst="rect">
+            <a:avLst/>
+          </a:prstGeom>
+          <a:solidFill>
+            <a:srgbClr val="FFFFFF"/>
+          </a:solidFill>
+          <a:ln w="9525">
+            <a:noFill/>
+          </a:ln>
+          <a:effectLst>
+            <a:outerShdw blurRad="63500" dist="17780" dir="5400000" algn="t" rotWithShape="0">
+              <a:prstClr val="black">
+                <a:alpha val="43000"/>
+              </a:prstClr>
+            </a:outerShdw>
+          </a:effectLst>
+        </p:spPr>
+        <p:style>
+          <a:lnRef idx="2">
+            <a:schemeClr val="accent1">
+              <a:shade val="50000"/>
+            </a:schemeClr>
+          </a:lnRef>
+          <a:fillRef idx="1">
+            <a:schemeClr val="accent1"/>
+          </a:fillRef>
+          <a:effectRef idx="0">
+            <a:schemeClr val="accent1"/>
+          </a:effectRef>
+          <a:fontRef idx="minor">
+            <a:schemeClr val="lt1"/>
+          </a:fontRef>
+        </p:style>
+        <p:txBody>
+          <a:bodyPr rtlCol="0" anchor="ctr"/>
+          <a:lstStyle/>
+          <a:p>
+            <a:pPr algn="ctr"/>
+            <a:endParaRPr lang="en-US"/>
+          </a:p>
+        </p:txBody>
+      </p:sp>
+      <p:pic>
+        <p:nvPicPr>
+          <p:cNvPr id="3" name="Picture 2">
+            <a:extLst>
+              <a:ext uri="{FF2B5EF4-FFF2-40B4-BE49-F238E27FC236}">
+                <a16:creationId xmlns:a16="http://schemas.microsoft.com/office/drawing/2014/main" id="{7ABF136F-E48A-4304-A9F7-A229F28DBE39}"/>
+              </a:ext>
+            </a:extLst>
+          </p:cNvPr>
+          <p:cNvPicPr>
+            <a:picLocks noChangeAspect="1"/>
+          </p:cNvPicPr>
+          <p:nvPr/>
+        </p:nvPicPr>
+        <p:blipFill>
+          <a:blip r:embed="rId2"/>
+          <a:stretch>
+            <a:fillRect/>
+          </a:stretch>
+        </p:blipFill>
+        <p:spPr>
+          <a:xfrm>
+            <a:off x="2777523" y="480060"/>
+            <a:ext cx="6636953" cy="5817913"/>
+          </a:xfrm>
+          <a:prstGeom prst="rect">
+            <a:avLst/>
+          </a:prstGeom>
+        </p:spPr>
+      </p:pic>
     </p:spTree>
     <p:extLst>
       <p:ext uri="{BB962C8B-B14F-4D97-AF65-F5344CB8AC3E}">
@@ -4082,10 +4232,9 @@
           <a:p>
             <a:pPr algn="ctr"/>
             <a:r>
-              <a:rPr lang="en-US" dirty="0" smtClean="0"/>
+              <a:rPr lang="en-US" dirty="0"/>
               <a:t>TARGET MARKET</a:t>
             </a:r>
-            <a:endParaRPr lang="en-US" dirty="0"/>
           </a:p>
         </p:txBody>
       </p:sp>
@@ -4108,7 +4257,7 @@
               <a:buNone/>
             </a:pPr>
             <a:r>
-              <a:rPr lang="en-US" dirty="0" smtClean="0"/>
+              <a:rPr lang="en-US" dirty="0"/>
               <a:t>DANCK’s Optimal Course Scheduler is designed for college students, especially those at Southwestern Virginia Land Grant Universities</a:t>
             </a:r>
           </a:p>
@@ -4194,10 +4343,9 @@
           <a:p>
             <a:pPr algn="ctr"/>
             <a:r>
-              <a:rPr lang="en-US" dirty="0" smtClean="0"/>
+              <a:rPr lang="en-US" dirty="0"/>
               <a:t>DATA</a:t>
             </a:r>
-            <a:endParaRPr lang="en-US" dirty="0"/>
           </a:p>
         </p:txBody>
       </p:sp>
@@ -4220,7 +4368,7 @@
               <a:buNone/>
             </a:pPr>
             <a:r>
-              <a:rPr lang="en-US" dirty="0" smtClean="0"/>
+              <a:rPr lang="en-US" dirty="0"/>
               <a:t>The data for the Optimal Course Scheduler comes from the Virginia Tech Timetable of Classes. It is extracted with an included JQuery script and can then be imported into an excel file. The excel file is then formatted with an included VBA macro. From excel the file can be imported into Microsoft Access for use in the application.</a:t>
             </a:r>
           </a:p>
@@ -4273,10 +4421,9 @@
           <a:p>
             <a:pPr algn="ctr"/>
             <a:r>
-              <a:rPr lang="en-US" dirty="0" smtClean="0"/>
+              <a:rPr lang="en-US" dirty="0"/>
               <a:t>IMPROVEMENTS</a:t>
             </a:r>
-            <a:endParaRPr lang="en-US" dirty="0"/>
           </a:p>
         </p:txBody>
       </p:sp>
@@ -4299,10 +4446,9 @@
               <a:buNone/>
             </a:pPr>
             <a:r>
-              <a:rPr lang="en-US" dirty="0" smtClean="0"/>
+              <a:rPr lang="en-US" dirty="0"/>
               <a:t>For future improvements, developing a web API for extracting relevant classes on demand would make data always current. Using current data would allow for optimization based on only classes that have spots available. </a:t>
             </a:r>
-            <a:endParaRPr lang="en-US" dirty="0"/>
           </a:p>
         </p:txBody>
       </p:sp>
@@ -4483,7 +4629,7 @@
           <p:cNvPr id="7" name="Rectangle 6">
             <a:extLst>
               <a:ext uri="{FF2B5EF4-FFF2-40B4-BE49-F238E27FC236}">
-                <a16:creationId xmlns:a16="http://schemas.microsoft.com/office/drawing/2014/main" xmlns="" id="{01D0AF59-99C3-4251-AB9A-C966C6AD4400}"/>
+                <a16:creationId xmlns:a16="http://schemas.microsoft.com/office/drawing/2014/main" id="{01D0AF59-99C3-4251-AB9A-C966C6AD4400}"/>
               </a:ext>
             </a:extLst>
           </p:cNvPr>
@@ -4543,7 +4689,7 @@
           <p:cNvPr id="9" name="Rectangle 8">
             <a:extLst>
               <a:ext uri="{FF2B5EF4-FFF2-40B4-BE49-F238E27FC236}">
-                <a16:creationId xmlns:a16="http://schemas.microsoft.com/office/drawing/2014/main" xmlns="" id="{1855405F-37A2-4869-9154-F8BE3BECE6C3}"/>
+                <a16:creationId xmlns:a16="http://schemas.microsoft.com/office/drawing/2014/main" id="{1855405F-37A2-4869-9154-F8BE3BECE6C3}"/>
               </a:ext>
             </a:extLst>
           </p:cNvPr>
@@ -4746,7 +4892,7 @@
           <p:cNvPr id="7" name="Rectangle 6">
             <a:extLst>
               <a:ext uri="{FF2B5EF4-FFF2-40B4-BE49-F238E27FC236}">
-                <a16:creationId xmlns:a16="http://schemas.microsoft.com/office/drawing/2014/main" xmlns="" id="{01D0AF59-99C3-4251-AB9A-C966C6AD4400}"/>
+                <a16:creationId xmlns:a16="http://schemas.microsoft.com/office/drawing/2014/main" id="{01D0AF59-99C3-4251-AB9A-C966C6AD4400}"/>
               </a:ext>
             </a:extLst>
           </p:cNvPr>
@@ -4806,7 +4952,7 @@
           <p:cNvPr id="9" name="Rectangle 8">
             <a:extLst>
               <a:ext uri="{FF2B5EF4-FFF2-40B4-BE49-F238E27FC236}">
-                <a16:creationId xmlns:a16="http://schemas.microsoft.com/office/drawing/2014/main" xmlns="" id="{1855405F-37A2-4869-9154-F8BE3BECE6C3}"/>
+                <a16:creationId xmlns:a16="http://schemas.microsoft.com/office/drawing/2014/main" id="{1855405F-37A2-4869-9154-F8BE3BECE6C3}"/>
               </a:ext>
             </a:extLst>
           </p:cNvPr>
